--- a/Document/PKBG软件架构/逻辑架构文档图.pptx
+++ b/Document/PKBG软件架构/逻辑架构文档图.pptx
@@ -1,17 +1,17 @@
 
 <file path=ppt/presentation.xml><?xml version="1.0" encoding="utf-8"?>
-<p:presentation xmlns:a="http://schemas.openxmlformats.org/drawingml/2006/main" xmlns:r="http://schemas.openxmlformats.org/officeDocument/2006/relationships" xmlns:p="http://schemas.openxmlformats.org/presentationml/2006/main" saveSubsetFonts="1" autoCompressPictures="0">
+<p:presentation xmlns:a="http://schemas.openxmlformats.org/drawingml/2006/main" xmlns:r="http://schemas.openxmlformats.org/officeDocument/2006/relationships" xmlns:p="http://schemas.openxmlformats.org/presentationml/2006/main" autoCompressPictures="0">
   <p:sldMasterIdLst>
     <p:sldMasterId id="2147483648" r:id="rId1"/>
   </p:sldMasterIdLst>
   <p:notesMasterIdLst>
-    <p:notesMasterId r:id="rId6"/>
+    <p:notesMasterId r:id="rId4"/>
   </p:notesMasterIdLst>
   <p:sldIdLst>
-    <p:sldId id="256" r:id="rId2"/>
-    <p:sldId id="257" r:id="rId3"/>
-    <p:sldId id="258" r:id="rId4"/>
-    <p:sldId id="259" r:id="rId5"/>
+    <p:sldId id="256" r:id="rId3"/>
+    <p:sldId id="257" r:id="rId5"/>
+    <p:sldId id="258" r:id="rId6"/>
+    <p:sldId id="259" r:id="rId7"/>
   </p:sldIdLst>
   <p:sldSz cx="12192000" cy="6858000"/>
   <p:notesSz cx="6858000" cy="9144000"/>
@@ -110,11 +110,6 @@
       </a:defRPr>
     </a:lvl9pPr>
   </p:defaultTextStyle>
-  <p:extLst>
-    <p:ext uri="{EFAFB233-063F-42B5-8137-9DF3F51BA10A}">
-      <p15:sldGuideLst xmlns:p15="http://schemas.microsoft.com/office/powerpoint/2012/main"/>
-    </p:ext>
-  </p:extLst>
 </p:presentation>
 </file>
 
@@ -200,7 +195,6 @@
           <a:p>
             <a:fld id="{CEFE6DC4-1C24-8D4E-9C0B-74095C0C1E52}" type="datetimeFigureOut">
               <a:rPr kumimoji="1" lang="zh-CN" altLang="en-US" smtClean="0"/>
-              <a:t>2019/7/8</a:t>
             </a:fld>
             <a:endParaRPr kumimoji="1" lang="zh-CN" altLang="en-US"/>
           </a:p>
@@ -267,6 +261,7 @@
               <a:rPr kumimoji="1" lang="zh-CN" altLang="en-US" smtClean="0"/>
               <a:t>单击此处编辑母版文本样式</a:t>
             </a:r>
+            <a:endParaRPr kumimoji="1" lang="zh-CN" altLang="en-US" smtClean="0"/>
           </a:p>
           <a:p>
             <a:pPr lvl="1"/>
@@ -274,6 +269,7 @@
               <a:rPr kumimoji="1" lang="zh-CN" altLang="en-US" smtClean="0"/>
               <a:t>二级</a:t>
             </a:r>
+            <a:endParaRPr kumimoji="1" lang="zh-CN" altLang="en-US" smtClean="0"/>
           </a:p>
           <a:p>
             <a:pPr lvl="2"/>
@@ -281,6 +277,7 @@
               <a:rPr kumimoji="1" lang="zh-CN" altLang="en-US" smtClean="0"/>
               <a:t>三级</a:t>
             </a:r>
+            <a:endParaRPr kumimoji="1" lang="zh-CN" altLang="en-US" smtClean="0"/>
           </a:p>
           <a:p>
             <a:pPr lvl="3"/>
@@ -288,6 +285,7 @@
               <a:rPr kumimoji="1" lang="zh-CN" altLang="en-US" smtClean="0"/>
               <a:t>四级</a:t>
             </a:r>
+            <a:endParaRPr kumimoji="1" lang="zh-CN" altLang="en-US" smtClean="0"/>
           </a:p>
           <a:p>
             <a:pPr lvl="4"/>
@@ -359,18 +357,12 @@
           <a:p>
             <a:fld id="{4B2AD393-0B6C-EB44-BDAA-655DED3E2CF5}" type="slidenum">
               <a:rPr kumimoji="1" lang="zh-CN" altLang="en-US" smtClean="0"/>
-              <a:t>‹#›</a:t>
             </a:fld>
             <a:endParaRPr kumimoji="1" lang="zh-CN" altLang="en-US"/>
           </a:p>
         </p:txBody>
       </p:sp>
     </p:spTree>
-    <p:extLst>
-      <p:ext uri="{BB962C8B-B14F-4D97-AF65-F5344CB8AC3E}">
-        <p14:creationId xmlns:p14="http://schemas.microsoft.com/office/powerpoint/2010/main" val="2042346391"/>
-      </p:ext>
-    </p:extLst>
   </p:cSld>
   <p:clrMap bg1="lt1" tx1="dk1" bg2="lt2" tx2="dk2" accent1="accent1" accent2="accent2" accent3="accent3" accent4="accent4" accent5="accent5" accent6="accent6" hlink="hlink" folHlink="folHlink"/>
   <p:notesStyle>
@@ -533,18 +525,12 @@
           <a:p>
             <a:fld id="{4B2AD393-0B6C-EB44-BDAA-655DED3E2CF5}" type="slidenum">
               <a:rPr kumimoji="1" lang="zh-CN" altLang="en-US" smtClean="0"/>
-              <a:t>1</a:t>
             </a:fld>
             <a:endParaRPr kumimoji="1" lang="zh-CN" altLang="en-US"/>
           </a:p>
         </p:txBody>
       </p:sp>
     </p:spTree>
-    <p:extLst>
-      <p:ext uri="{BB962C8B-B14F-4D97-AF65-F5344CB8AC3E}">
-        <p14:creationId xmlns:p14="http://schemas.microsoft.com/office/powerpoint/2010/main" val="337179889"/>
-      </p:ext>
-    </p:extLst>
   </p:cSld>
   <p:clrMapOvr>
     <a:masterClrMapping/>
@@ -617,18 +603,12 @@
           <a:p>
             <a:fld id="{4B2AD393-0B6C-EB44-BDAA-655DED3E2CF5}" type="slidenum">
               <a:rPr kumimoji="1" lang="zh-CN" altLang="en-US" smtClean="0"/>
-              <a:t>4</a:t>
             </a:fld>
             <a:endParaRPr kumimoji="1" lang="zh-CN" altLang="en-US"/>
           </a:p>
         </p:txBody>
       </p:sp>
     </p:spTree>
-    <p:extLst>
-      <p:ext uri="{BB962C8B-B14F-4D97-AF65-F5344CB8AC3E}">
-        <p14:creationId xmlns:p14="http://schemas.microsoft.com/office/powerpoint/2010/main" val="1110913776"/>
-      </p:ext>
-    </p:extLst>
   </p:cSld>
   <p:clrMapOvr>
     <a:masterClrMapping/>
@@ -767,7 +747,6 @@
           <a:p>
             <a:fld id="{C784CE9D-7196-F348-9577-8FE3C6703E3C}" type="datetimeFigureOut">
               <a:rPr kumimoji="1" lang="zh-CN" altLang="en-US" smtClean="0"/>
-              <a:t>2019/7/8</a:t>
             </a:fld>
             <a:endParaRPr kumimoji="1" lang="zh-CN" altLang="en-US"/>
           </a:p>
@@ -809,18 +788,12 @@
           <a:p>
             <a:fld id="{97CBFF55-C2F2-2A49-8F70-8834D294D394}" type="slidenum">
               <a:rPr kumimoji="1" lang="zh-CN" altLang="en-US" smtClean="0"/>
-              <a:t>‹#›</a:t>
             </a:fld>
             <a:endParaRPr kumimoji="1" lang="zh-CN" altLang="en-US"/>
           </a:p>
         </p:txBody>
       </p:sp>
     </p:spTree>
-    <p:extLst>
-      <p:ext uri="{BB962C8B-B14F-4D97-AF65-F5344CB8AC3E}">
-        <p14:creationId xmlns:p14="http://schemas.microsoft.com/office/powerpoint/2010/main" val="1657529824"/>
-      </p:ext>
-    </p:extLst>
   </p:cSld>
   <p:clrMapOvr>
     <a:masterClrMapping/>
@@ -888,6 +861,7 @@
               <a:rPr kumimoji="1" lang="zh-CN" altLang="en-US" smtClean="0"/>
               <a:t>单击此处编辑母版文本样式</a:t>
             </a:r>
+            <a:endParaRPr kumimoji="1" lang="zh-CN" altLang="en-US" smtClean="0"/>
           </a:p>
           <a:p>
             <a:pPr lvl="1"/>
@@ -895,6 +869,7 @@
               <a:rPr kumimoji="1" lang="zh-CN" altLang="en-US" smtClean="0"/>
               <a:t>二级</a:t>
             </a:r>
+            <a:endParaRPr kumimoji="1" lang="zh-CN" altLang="en-US" smtClean="0"/>
           </a:p>
           <a:p>
             <a:pPr lvl="2"/>
@@ -902,6 +877,7 @@
               <a:rPr kumimoji="1" lang="zh-CN" altLang="en-US" smtClean="0"/>
               <a:t>三级</a:t>
             </a:r>
+            <a:endParaRPr kumimoji="1" lang="zh-CN" altLang="en-US" smtClean="0"/>
           </a:p>
           <a:p>
             <a:pPr lvl="3"/>
@@ -909,6 +885,7 @@
               <a:rPr kumimoji="1" lang="zh-CN" altLang="en-US" smtClean="0"/>
               <a:t>四级</a:t>
             </a:r>
+            <a:endParaRPr kumimoji="1" lang="zh-CN" altLang="en-US" smtClean="0"/>
           </a:p>
           <a:p>
             <a:pPr lvl="4"/>
@@ -937,7 +914,6 @@
           <a:p>
             <a:fld id="{C784CE9D-7196-F348-9577-8FE3C6703E3C}" type="datetimeFigureOut">
               <a:rPr kumimoji="1" lang="zh-CN" altLang="en-US" smtClean="0"/>
-              <a:t>2019/7/8</a:t>
             </a:fld>
             <a:endParaRPr kumimoji="1" lang="zh-CN" altLang="en-US"/>
           </a:p>
@@ -979,18 +955,12 @@
           <a:p>
             <a:fld id="{97CBFF55-C2F2-2A49-8F70-8834D294D394}" type="slidenum">
               <a:rPr kumimoji="1" lang="zh-CN" altLang="en-US" smtClean="0"/>
-              <a:t>‹#›</a:t>
             </a:fld>
             <a:endParaRPr kumimoji="1" lang="zh-CN" altLang="en-US"/>
           </a:p>
         </p:txBody>
       </p:sp>
     </p:spTree>
-    <p:extLst>
-      <p:ext uri="{BB962C8B-B14F-4D97-AF65-F5344CB8AC3E}">
-        <p14:creationId xmlns:p14="http://schemas.microsoft.com/office/powerpoint/2010/main" val="21887908"/>
-      </p:ext>
-    </p:extLst>
   </p:cSld>
   <p:clrMapOvr>
     <a:masterClrMapping/>
@@ -1068,6 +1038,7 @@
               <a:rPr kumimoji="1" lang="zh-CN" altLang="en-US" smtClean="0"/>
               <a:t>单击此处编辑母版文本样式</a:t>
             </a:r>
+            <a:endParaRPr kumimoji="1" lang="zh-CN" altLang="en-US" smtClean="0"/>
           </a:p>
           <a:p>
             <a:pPr lvl="1"/>
@@ -1075,6 +1046,7 @@
               <a:rPr kumimoji="1" lang="zh-CN" altLang="en-US" smtClean="0"/>
               <a:t>二级</a:t>
             </a:r>
+            <a:endParaRPr kumimoji="1" lang="zh-CN" altLang="en-US" smtClean="0"/>
           </a:p>
           <a:p>
             <a:pPr lvl="2"/>
@@ -1082,6 +1054,7 @@
               <a:rPr kumimoji="1" lang="zh-CN" altLang="en-US" smtClean="0"/>
               <a:t>三级</a:t>
             </a:r>
+            <a:endParaRPr kumimoji="1" lang="zh-CN" altLang="en-US" smtClean="0"/>
           </a:p>
           <a:p>
             <a:pPr lvl="3"/>
@@ -1089,6 +1062,7 @@
               <a:rPr kumimoji="1" lang="zh-CN" altLang="en-US" smtClean="0"/>
               <a:t>四级</a:t>
             </a:r>
+            <a:endParaRPr kumimoji="1" lang="zh-CN" altLang="en-US" smtClean="0"/>
           </a:p>
           <a:p>
             <a:pPr lvl="4"/>
@@ -1117,7 +1091,6 @@
           <a:p>
             <a:fld id="{C784CE9D-7196-F348-9577-8FE3C6703E3C}" type="datetimeFigureOut">
               <a:rPr kumimoji="1" lang="zh-CN" altLang="en-US" smtClean="0"/>
-              <a:t>2019/7/8</a:t>
             </a:fld>
             <a:endParaRPr kumimoji="1" lang="zh-CN" altLang="en-US"/>
           </a:p>
@@ -1159,18 +1132,12 @@
           <a:p>
             <a:fld id="{97CBFF55-C2F2-2A49-8F70-8834D294D394}" type="slidenum">
               <a:rPr kumimoji="1" lang="zh-CN" altLang="en-US" smtClean="0"/>
-              <a:t>‹#›</a:t>
             </a:fld>
             <a:endParaRPr kumimoji="1" lang="zh-CN" altLang="en-US"/>
           </a:p>
         </p:txBody>
       </p:sp>
     </p:spTree>
-    <p:extLst>
-      <p:ext uri="{BB962C8B-B14F-4D97-AF65-F5344CB8AC3E}">
-        <p14:creationId xmlns:p14="http://schemas.microsoft.com/office/powerpoint/2010/main" val="650366119"/>
-      </p:ext>
-    </p:extLst>
   </p:cSld>
   <p:clrMapOvr>
     <a:masterClrMapping/>
@@ -1238,6 +1205,7 @@
               <a:rPr kumimoji="1" lang="zh-CN" altLang="en-US" smtClean="0"/>
               <a:t>单击此处编辑母版文本样式</a:t>
             </a:r>
+            <a:endParaRPr kumimoji="1" lang="zh-CN" altLang="en-US" smtClean="0"/>
           </a:p>
           <a:p>
             <a:pPr lvl="1"/>
@@ -1245,6 +1213,7 @@
               <a:rPr kumimoji="1" lang="zh-CN" altLang="en-US" smtClean="0"/>
               <a:t>二级</a:t>
             </a:r>
+            <a:endParaRPr kumimoji="1" lang="zh-CN" altLang="en-US" smtClean="0"/>
           </a:p>
           <a:p>
             <a:pPr lvl="2"/>
@@ -1252,6 +1221,7 @@
               <a:rPr kumimoji="1" lang="zh-CN" altLang="en-US" smtClean="0"/>
               <a:t>三级</a:t>
             </a:r>
+            <a:endParaRPr kumimoji="1" lang="zh-CN" altLang="en-US" smtClean="0"/>
           </a:p>
           <a:p>
             <a:pPr lvl="3"/>
@@ -1259,6 +1229,7 @@
               <a:rPr kumimoji="1" lang="zh-CN" altLang="en-US" smtClean="0"/>
               <a:t>四级</a:t>
             </a:r>
+            <a:endParaRPr kumimoji="1" lang="zh-CN" altLang="en-US" smtClean="0"/>
           </a:p>
           <a:p>
             <a:pPr lvl="4"/>
@@ -1287,7 +1258,6 @@
           <a:p>
             <a:fld id="{C784CE9D-7196-F348-9577-8FE3C6703E3C}" type="datetimeFigureOut">
               <a:rPr kumimoji="1" lang="zh-CN" altLang="en-US" smtClean="0"/>
-              <a:t>2019/7/8</a:t>
             </a:fld>
             <a:endParaRPr kumimoji="1" lang="zh-CN" altLang="en-US"/>
           </a:p>
@@ -1329,18 +1299,12 @@
           <a:p>
             <a:fld id="{97CBFF55-C2F2-2A49-8F70-8834D294D394}" type="slidenum">
               <a:rPr kumimoji="1" lang="zh-CN" altLang="en-US" smtClean="0"/>
-              <a:t>‹#›</a:t>
             </a:fld>
             <a:endParaRPr kumimoji="1" lang="zh-CN" altLang="en-US"/>
           </a:p>
         </p:txBody>
       </p:sp>
     </p:spTree>
-    <p:extLst>
-      <p:ext uri="{BB962C8B-B14F-4D97-AF65-F5344CB8AC3E}">
-        <p14:creationId xmlns:p14="http://schemas.microsoft.com/office/powerpoint/2010/main" val="945883084"/>
-      </p:ext>
-    </p:extLst>
   </p:cSld>
   <p:clrMapOvr>
     <a:masterClrMapping/>
@@ -1513,6 +1477,7 @@
               <a:rPr kumimoji="1" lang="zh-CN" altLang="en-US" smtClean="0"/>
               <a:t>单击此处编辑母版文本样式</a:t>
             </a:r>
+            <a:endParaRPr kumimoji="1" lang="zh-CN" altLang="en-US" smtClean="0"/>
           </a:p>
         </p:txBody>
       </p:sp>
@@ -1533,7 +1498,6 @@
           <a:p>
             <a:fld id="{C784CE9D-7196-F348-9577-8FE3C6703E3C}" type="datetimeFigureOut">
               <a:rPr kumimoji="1" lang="zh-CN" altLang="en-US" smtClean="0"/>
-              <a:t>2019/7/8</a:t>
             </a:fld>
             <a:endParaRPr kumimoji="1" lang="zh-CN" altLang="en-US"/>
           </a:p>
@@ -1575,18 +1539,12 @@
           <a:p>
             <a:fld id="{97CBFF55-C2F2-2A49-8F70-8834D294D394}" type="slidenum">
               <a:rPr kumimoji="1" lang="zh-CN" altLang="en-US" smtClean="0"/>
-              <a:t>‹#›</a:t>
             </a:fld>
             <a:endParaRPr kumimoji="1" lang="zh-CN" altLang="en-US"/>
           </a:p>
         </p:txBody>
       </p:sp>
     </p:spTree>
-    <p:extLst>
-      <p:ext uri="{BB962C8B-B14F-4D97-AF65-F5344CB8AC3E}">
-        <p14:creationId xmlns:p14="http://schemas.microsoft.com/office/powerpoint/2010/main" val="1783037694"/>
-      </p:ext>
-    </p:extLst>
   </p:cSld>
   <p:clrMapOvr>
     <a:masterClrMapping/>
@@ -1659,6 +1617,7 @@
               <a:rPr kumimoji="1" lang="zh-CN" altLang="en-US" smtClean="0"/>
               <a:t>单击此处编辑母版文本样式</a:t>
             </a:r>
+            <a:endParaRPr kumimoji="1" lang="zh-CN" altLang="en-US" smtClean="0"/>
           </a:p>
           <a:p>
             <a:pPr lvl="1"/>
@@ -1666,6 +1625,7 @@
               <a:rPr kumimoji="1" lang="zh-CN" altLang="en-US" smtClean="0"/>
               <a:t>二级</a:t>
             </a:r>
+            <a:endParaRPr kumimoji="1" lang="zh-CN" altLang="en-US" smtClean="0"/>
           </a:p>
           <a:p>
             <a:pPr lvl="2"/>
@@ -1673,6 +1633,7 @@
               <a:rPr kumimoji="1" lang="zh-CN" altLang="en-US" smtClean="0"/>
               <a:t>三级</a:t>
             </a:r>
+            <a:endParaRPr kumimoji="1" lang="zh-CN" altLang="en-US" smtClean="0"/>
           </a:p>
           <a:p>
             <a:pPr lvl="3"/>
@@ -1680,6 +1641,7 @@
               <a:rPr kumimoji="1" lang="zh-CN" altLang="en-US" smtClean="0"/>
               <a:t>四级</a:t>
             </a:r>
+            <a:endParaRPr kumimoji="1" lang="zh-CN" altLang="en-US" smtClean="0"/>
           </a:p>
           <a:p>
             <a:pPr lvl="4"/>
@@ -1716,6 +1678,7 @@
               <a:rPr kumimoji="1" lang="zh-CN" altLang="en-US" smtClean="0"/>
               <a:t>单击此处编辑母版文本样式</a:t>
             </a:r>
+            <a:endParaRPr kumimoji="1" lang="zh-CN" altLang="en-US" smtClean="0"/>
           </a:p>
           <a:p>
             <a:pPr lvl="1"/>
@@ -1723,6 +1686,7 @@
               <a:rPr kumimoji="1" lang="zh-CN" altLang="en-US" smtClean="0"/>
               <a:t>二级</a:t>
             </a:r>
+            <a:endParaRPr kumimoji="1" lang="zh-CN" altLang="en-US" smtClean="0"/>
           </a:p>
           <a:p>
             <a:pPr lvl="2"/>
@@ -1730,6 +1694,7 @@
               <a:rPr kumimoji="1" lang="zh-CN" altLang="en-US" smtClean="0"/>
               <a:t>三级</a:t>
             </a:r>
+            <a:endParaRPr kumimoji="1" lang="zh-CN" altLang="en-US" smtClean="0"/>
           </a:p>
           <a:p>
             <a:pPr lvl="3"/>
@@ -1737,6 +1702,7 @@
               <a:rPr kumimoji="1" lang="zh-CN" altLang="en-US" smtClean="0"/>
               <a:t>四级</a:t>
             </a:r>
+            <a:endParaRPr kumimoji="1" lang="zh-CN" altLang="en-US" smtClean="0"/>
           </a:p>
           <a:p>
             <a:pPr lvl="4"/>
@@ -1765,7 +1731,6 @@
           <a:p>
             <a:fld id="{C784CE9D-7196-F348-9577-8FE3C6703E3C}" type="datetimeFigureOut">
               <a:rPr kumimoji="1" lang="zh-CN" altLang="en-US" smtClean="0"/>
-              <a:t>2019/7/8</a:t>
             </a:fld>
             <a:endParaRPr kumimoji="1" lang="zh-CN" altLang="en-US"/>
           </a:p>
@@ -1807,18 +1772,12 @@
           <a:p>
             <a:fld id="{97CBFF55-C2F2-2A49-8F70-8834D294D394}" type="slidenum">
               <a:rPr kumimoji="1" lang="zh-CN" altLang="en-US" smtClean="0"/>
-              <a:t>‹#›</a:t>
             </a:fld>
             <a:endParaRPr kumimoji="1" lang="zh-CN" altLang="en-US"/>
           </a:p>
         </p:txBody>
       </p:sp>
     </p:spTree>
-    <p:extLst>
-      <p:ext uri="{BB962C8B-B14F-4D97-AF65-F5344CB8AC3E}">
-        <p14:creationId xmlns:p14="http://schemas.microsoft.com/office/powerpoint/2010/main" val="1527712820"/>
-      </p:ext>
-    </p:extLst>
   </p:cSld>
   <p:clrMapOvr>
     <a:masterClrMapping/>
@@ -1933,6 +1892,7 @@
               <a:rPr kumimoji="1" lang="zh-CN" altLang="en-US" smtClean="0"/>
               <a:t>单击此处编辑母版文本样式</a:t>
             </a:r>
+            <a:endParaRPr kumimoji="1" lang="zh-CN" altLang="en-US" smtClean="0"/>
           </a:p>
         </p:txBody>
       </p:sp>
@@ -1961,6 +1921,7 @@
               <a:rPr kumimoji="1" lang="zh-CN" altLang="en-US" smtClean="0"/>
               <a:t>单击此处编辑母版文本样式</a:t>
             </a:r>
+            <a:endParaRPr kumimoji="1" lang="zh-CN" altLang="en-US" smtClean="0"/>
           </a:p>
           <a:p>
             <a:pPr lvl="1"/>
@@ -1968,6 +1929,7 @@
               <a:rPr kumimoji="1" lang="zh-CN" altLang="en-US" smtClean="0"/>
               <a:t>二级</a:t>
             </a:r>
+            <a:endParaRPr kumimoji="1" lang="zh-CN" altLang="en-US" smtClean="0"/>
           </a:p>
           <a:p>
             <a:pPr lvl="2"/>
@@ -1975,6 +1937,7 @@
               <a:rPr kumimoji="1" lang="zh-CN" altLang="en-US" smtClean="0"/>
               <a:t>三级</a:t>
             </a:r>
+            <a:endParaRPr kumimoji="1" lang="zh-CN" altLang="en-US" smtClean="0"/>
           </a:p>
           <a:p>
             <a:pPr lvl="3"/>
@@ -1982,6 +1945,7 @@
               <a:rPr kumimoji="1" lang="zh-CN" altLang="en-US" smtClean="0"/>
               <a:t>四级</a:t>
             </a:r>
+            <a:endParaRPr kumimoji="1" lang="zh-CN" altLang="en-US" smtClean="0"/>
           </a:p>
           <a:p>
             <a:pPr lvl="4"/>
@@ -2055,6 +2019,7 @@
               <a:rPr kumimoji="1" lang="zh-CN" altLang="en-US" smtClean="0"/>
               <a:t>单击此处编辑母版文本样式</a:t>
             </a:r>
+            <a:endParaRPr kumimoji="1" lang="zh-CN" altLang="en-US" smtClean="0"/>
           </a:p>
         </p:txBody>
       </p:sp>
@@ -2083,6 +2048,7 @@
               <a:rPr kumimoji="1" lang="zh-CN" altLang="en-US" smtClean="0"/>
               <a:t>单击此处编辑母版文本样式</a:t>
             </a:r>
+            <a:endParaRPr kumimoji="1" lang="zh-CN" altLang="en-US" smtClean="0"/>
           </a:p>
           <a:p>
             <a:pPr lvl="1"/>
@@ -2090,6 +2056,7 @@
               <a:rPr kumimoji="1" lang="zh-CN" altLang="en-US" smtClean="0"/>
               <a:t>二级</a:t>
             </a:r>
+            <a:endParaRPr kumimoji="1" lang="zh-CN" altLang="en-US" smtClean="0"/>
           </a:p>
           <a:p>
             <a:pPr lvl="2"/>
@@ -2097,6 +2064,7 @@
               <a:rPr kumimoji="1" lang="zh-CN" altLang="en-US" smtClean="0"/>
               <a:t>三级</a:t>
             </a:r>
+            <a:endParaRPr kumimoji="1" lang="zh-CN" altLang="en-US" smtClean="0"/>
           </a:p>
           <a:p>
             <a:pPr lvl="3"/>
@@ -2104,6 +2072,7 @@
               <a:rPr kumimoji="1" lang="zh-CN" altLang="en-US" smtClean="0"/>
               <a:t>四级</a:t>
             </a:r>
+            <a:endParaRPr kumimoji="1" lang="zh-CN" altLang="en-US" smtClean="0"/>
           </a:p>
           <a:p>
             <a:pPr lvl="4"/>
@@ -2132,7 +2101,6 @@
           <a:p>
             <a:fld id="{C784CE9D-7196-F348-9577-8FE3C6703E3C}" type="datetimeFigureOut">
               <a:rPr kumimoji="1" lang="zh-CN" altLang="en-US" smtClean="0"/>
-              <a:t>2019/7/8</a:t>
             </a:fld>
             <a:endParaRPr kumimoji="1" lang="zh-CN" altLang="en-US"/>
           </a:p>
@@ -2174,18 +2142,12 @@
           <a:p>
             <a:fld id="{97CBFF55-C2F2-2A49-8F70-8834D294D394}" type="slidenum">
               <a:rPr kumimoji="1" lang="zh-CN" altLang="en-US" smtClean="0"/>
-              <a:t>‹#›</a:t>
             </a:fld>
             <a:endParaRPr kumimoji="1" lang="zh-CN" altLang="en-US"/>
           </a:p>
         </p:txBody>
       </p:sp>
     </p:spTree>
-    <p:extLst>
-      <p:ext uri="{BB962C8B-B14F-4D97-AF65-F5344CB8AC3E}">
-        <p14:creationId xmlns:p14="http://schemas.microsoft.com/office/powerpoint/2010/main" val="954882208"/>
-      </p:ext>
-    </p:extLst>
   </p:cSld>
   <p:clrMapOvr>
     <a:masterClrMapping/>
@@ -2250,7 +2212,6 @@
           <a:p>
             <a:fld id="{C784CE9D-7196-F348-9577-8FE3C6703E3C}" type="datetimeFigureOut">
               <a:rPr kumimoji="1" lang="zh-CN" altLang="en-US" smtClean="0"/>
-              <a:t>2019/7/8</a:t>
             </a:fld>
             <a:endParaRPr kumimoji="1" lang="zh-CN" altLang="en-US"/>
           </a:p>
@@ -2292,18 +2253,12 @@
           <a:p>
             <a:fld id="{97CBFF55-C2F2-2A49-8F70-8834D294D394}" type="slidenum">
               <a:rPr kumimoji="1" lang="zh-CN" altLang="en-US" smtClean="0"/>
-              <a:t>‹#›</a:t>
             </a:fld>
             <a:endParaRPr kumimoji="1" lang="zh-CN" altLang="en-US"/>
           </a:p>
         </p:txBody>
       </p:sp>
     </p:spTree>
-    <p:extLst>
-      <p:ext uri="{BB962C8B-B14F-4D97-AF65-F5344CB8AC3E}">
-        <p14:creationId xmlns:p14="http://schemas.microsoft.com/office/powerpoint/2010/main" val="559975825"/>
-      </p:ext>
-    </p:extLst>
   </p:cSld>
   <p:clrMapOvr>
     <a:masterClrMapping/>
@@ -2345,7 +2300,6 @@
           <a:p>
             <a:fld id="{C784CE9D-7196-F348-9577-8FE3C6703E3C}" type="datetimeFigureOut">
               <a:rPr kumimoji="1" lang="zh-CN" altLang="en-US" smtClean="0"/>
-              <a:t>2019/7/8</a:t>
             </a:fld>
             <a:endParaRPr kumimoji="1" lang="zh-CN" altLang="en-US"/>
           </a:p>
@@ -2387,18 +2341,12 @@
           <a:p>
             <a:fld id="{97CBFF55-C2F2-2A49-8F70-8834D294D394}" type="slidenum">
               <a:rPr kumimoji="1" lang="zh-CN" altLang="en-US" smtClean="0"/>
-              <a:t>‹#›</a:t>
             </a:fld>
             <a:endParaRPr kumimoji="1" lang="zh-CN" altLang="en-US"/>
           </a:p>
         </p:txBody>
       </p:sp>
     </p:spTree>
-    <p:extLst>
-      <p:ext uri="{BB962C8B-B14F-4D97-AF65-F5344CB8AC3E}">
-        <p14:creationId xmlns:p14="http://schemas.microsoft.com/office/powerpoint/2010/main" val="1240349621"/>
-      </p:ext>
-    </p:extLst>
   </p:cSld>
   <p:clrMapOvr>
     <a:masterClrMapping/>
@@ -2508,6 +2456,7 @@
               <a:rPr kumimoji="1" lang="zh-CN" altLang="en-US" smtClean="0"/>
               <a:t>单击此处编辑母版文本样式</a:t>
             </a:r>
+            <a:endParaRPr kumimoji="1" lang="zh-CN" altLang="en-US" smtClean="0"/>
           </a:p>
           <a:p>
             <a:pPr lvl="1"/>
@@ -2515,6 +2464,7 @@
               <a:rPr kumimoji="1" lang="zh-CN" altLang="en-US" smtClean="0"/>
               <a:t>二级</a:t>
             </a:r>
+            <a:endParaRPr kumimoji="1" lang="zh-CN" altLang="en-US" smtClean="0"/>
           </a:p>
           <a:p>
             <a:pPr lvl="2"/>
@@ -2522,6 +2472,7 @@
               <a:rPr kumimoji="1" lang="zh-CN" altLang="en-US" smtClean="0"/>
               <a:t>三级</a:t>
             </a:r>
+            <a:endParaRPr kumimoji="1" lang="zh-CN" altLang="en-US" smtClean="0"/>
           </a:p>
           <a:p>
             <a:pPr lvl="3"/>
@@ -2529,6 +2480,7 @@
               <a:rPr kumimoji="1" lang="zh-CN" altLang="en-US" smtClean="0"/>
               <a:t>四级</a:t>
             </a:r>
+            <a:endParaRPr kumimoji="1" lang="zh-CN" altLang="en-US" smtClean="0"/>
           </a:p>
           <a:p>
             <a:pPr lvl="4"/>
@@ -2602,6 +2554,7 @@
               <a:rPr kumimoji="1" lang="zh-CN" altLang="en-US" smtClean="0"/>
               <a:t>单击此处编辑母版文本样式</a:t>
             </a:r>
+            <a:endParaRPr kumimoji="1" lang="zh-CN" altLang="en-US" smtClean="0"/>
           </a:p>
         </p:txBody>
       </p:sp>
@@ -2622,7 +2575,6 @@
           <a:p>
             <a:fld id="{C784CE9D-7196-F348-9577-8FE3C6703E3C}" type="datetimeFigureOut">
               <a:rPr kumimoji="1" lang="zh-CN" altLang="en-US" smtClean="0"/>
-              <a:t>2019/7/8</a:t>
             </a:fld>
             <a:endParaRPr kumimoji="1" lang="zh-CN" altLang="en-US"/>
           </a:p>
@@ -2664,18 +2616,12 @@
           <a:p>
             <a:fld id="{97CBFF55-C2F2-2A49-8F70-8834D294D394}" type="slidenum">
               <a:rPr kumimoji="1" lang="zh-CN" altLang="en-US" smtClean="0"/>
-              <a:t>‹#›</a:t>
             </a:fld>
             <a:endParaRPr kumimoji="1" lang="zh-CN" altLang="en-US"/>
           </a:p>
         </p:txBody>
       </p:sp>
     </p:spTree>
-    <p:extLst>
-      <p:ext uri="{BB962C8B-B14F-4D97-AF65-F5344CB8AC3E}">
-        <p14:creationId xmlns:p14="http://schemas.microsoft.com/office/powerpoint/2010/main" val="932318718"/>
-      </p:ext>
-    </p:extLst>
   </p:cSld>
   <p:clrMapOvr>
     <a:masterClrMapping/>
@@ -2855,6 +2801,7 @@
               <a:rPr kumimoji="1" lang="zh-CN" altLang="en-US" smtClean="0"/>
               <a:t>单击此处编辑母版文本样式</a:t>
             </a:r>
+            <a:endParaRPr kumimoji="1" lang="zh-CN" altLang="en-US" smtClean="0"/>
           </a:p>
         </p:txBody>
       </p:sp>
@@ -2875,7 +2822,6 @@
           <a:p>
             <a:fld id="{C784CE9D-7196-F348-9577-8FE3C6703E3C}" type="datetimeFigureOut">
               <a:rPr kumimoji="1" lang="zh-CN" altLang="en-US" smtClean="0"/>
-              <a:t>2019/7/8</a:t>
             </a:fld>
             <a:endParaRPr kumimoji="1" lang="zh-CN" altLang="en-US"/>
           </a:p>
@@ -2917,18 +2863,12 @@
           <a:p>
             <a:fld id="{97CBFF55-C2F2-2A49-8F70-8834D294D394}" type="slidenum">
               <a:rPr kumimoji="1" lang="zh-CN" altLang="en-US" smtClean="0"/>
-              <a:t>‹#›</a:t>
             </a:fld>
             <a:endParaRPr kumimoji="1" lang="zh-CN" altLang="en-US"/>
           </a:p>
         </p:txBody>
       </p:sp>
     </p:spTree>
-    <p:extLst>
-      <p:ext uri="{BB962C8B-B14F-4D97-AF65-F5344CB8AC3E}">
-        <p14:creationId xmlns:p14="http://schemas.microsoft.com/office/powerpoint/2010/main" val="1440004914"/>
-      </p:ext>
-    </p:extLst>
   </p:cSld>
   <p:clrMapOvr>
     <a:masterClrMapping/>
@@ -3021,6 +2961,7 @@
               <a:rPr kumimoji="1" lang="zh-CN" altLang="en-US" smtClean="0"/>
               <a:t>单击此处编辑母版文本样式</a:t>
             </a:r>
+            <a:endParaRPr kumimoji="1" lang="zh-CN" altLang="en-US" smtClean="0"/>
           </a:p>
           <a:p>
             <a:pPr lvl="1"/>
@@ -3028,6 +2969,7 @@
               <a:rPr kumimoji="1" lang="zh-CN" altLang="en-US" smtClean="0"/>
               <a:t>二级</a:t>
             </a:r>
+            <a:endParaRPr kumimoji="1" lang="zh-CN" altLang="en-US" smtClean="0"/>
           </a:p>
           <a:p>
             <a:pPr lvl="2"/>
@@ -3035,6 +2977,7 @@
               <a:rPr kumimoji="1" lang="zh-CN" altLang="en-US" smtClean="0"/>
               <a:t>三级</a:t>
             </a:r>
+            <a:endParaRPr kumimoji="1" lang="zh-CN" altLang="en-US" smtClean="0"/>
           </a:p>
           <a:p>
             <a:pPr lvl="3"/>
@@ -3042,6 +2985,7 @@
               <a:rPr kumimoji="1" lang="zh-CN" altLang="en-US" smtClean="0"/>
               <a:t>四级</a:t>
             </a:r>
+            <a:endParaRPr kumimoji="1" lang="zh-CN" altLang="en-US" smtClean="0"/>
           </a:p>
           <a:p>
             <a:pPr lvl="4"/>
@@ -3088,7 +3032,6 @@
           <a:p>
             <a:fld id="{C784CE9D-7196-F348-9577-8FE3C6703E3C}" type="datetimeFigureOut">
               <a:rPr kumimoji="1" lang="zh-CN" altLang="en-US" smtClean="0"/>
-              <a:t>2019/7/8</a:t>
             </a:fld>
             <a:endParaRPr kumimoji="1" lang="zh-CN" altLang="en-US"/>
           </a:p>
@@ -3166,18 +3109,12 @@
           <a:p>
             <a:fld id="{97CBFF55-C2F2-2A49-8F70-8834D294D394}" type="slidenum">
               <a:rPr kumimoji="1" lang="zh-CN" altLang="en-US" smtClean="0"/>
-              <a:t>‹#›</a:t>
             </a:fld>
             <a:endParaRPr kumimoji="1" lang="zh-CN" altLang="en-US"/>
           </a:p>
         </p:txBody>
       </p:sp>
     </p:spTree>
-    <p:extLst>
-      <p:ext uri="{BB962C8B-B14F-4D97-AF65-F5344CB8AC3E}">
-        <p14:creationId xmlns:p14="http://schemas.microsoft.com/office/powerpoint/2010/main" val="1670988349"/>
-      </p:ext>
-    </p:extLst>
   </p:cSld>
   <p:clrMap bg1="lt1" tx1="dk1" bg2="lt2" tx2="dk2" accent1="accent1" accent2="accent2" accent3="accent3" accent4="accent4" accent5="accent5" accent6="accent6" hlink="hlink" folHlink="folHlink"/>
   <p:sldLayoutIdLst>
@@ -3221,7 +3158,7 @@
         <a:spcBef>
           <a:spcPts val="1000"/>
         </a:spcBef>
-        <a:buFont typeface="Arial"/>
+        <a:buFont typeface="Arial" panose="020B0604020202020204"/>
         <a:buChar char="•"/>
         <a:defRPr sz="2800" kern="1200">
           <a:solidFill>
@@ -3239,7 +3176,7 @@
         <a:spcBef>
           <a:spcPts val="500"/>
         </a:spcBef>
-        <a:buFont typeface="Arial"/>
+        <a:buFont typeface="Arial" panose="020B0604020202020204"/>
         <a:buChar char="•"/>
         <a:defRPr sz="2400" kern="1200">
           <a:solidFill>
@@ -3257,7 +3194,7 @@
         <a:spcBef>
           <a:spcPts val="500"/>
         </a:spcBef>
-        <a:buFont typeface="Arial"/>
+        <a:buFont typeface="Arial" panose="020B0604020202020204"/>
         <a:buChar char="•"/>
         <a:defRPr sz="2000" kern="1200">
           <a:solidFill>
@@ -3275,7 +3212,7 @@
         <a:spcBef>
           <a:spcPts val="500"/>
         </a:spcBef>
-        <a:buFont typeface="Arial"/>
+        <a:buFont typeface="Arial" panose="020B0604020202020204"/>
         <a:buChar char="•"/>
         <a:defRPr sz="1800" kern="1200">
           <a:solidFill>
@@ -3293,7 +3230,7 @@
         <a:spcBef>
           <a:spcPts val="500"/>
         </a:spcBef>
-        <a:buFont typeface="Arial"/>
+        <a:buFont typeface="Arial" panose="020B0604020202020204"/>
         <a:buChar char="•"/>
         <a:defRPr sz="1800" kern="1200">
           <a:solidFill>
@@ -3311,7 +3248,7 @@
         <a:spcBef>
           <a:spcPts val="500"/>
         </a:spcBef>
-        <a:buFont typeface="Arial"/>
+        <a:buFont typeface="Arial" panose="020B0604020202020204"/>
         <a:buChar char="•"/>
         <a:defRPr sz="1800" kern="1200">
           <a:solidFill>
@@ -3329,7 +3266,7 @@
         <a:spcBef>
           <a:spcPts val="500"/>
         </a:spcBef>
-        <a:buFont typeface="Arial"/>
+        <a:buFont typeface="Arial" panose="020B0604020202020204"/>
         <a:buChar char="•"/>
         <a:defRPr sz="1800" kern="1200">
           <a:solidFill>
@@ -3347,7 +3284,7 @@
         <a:spcBef>
           <a:spcPts val="500"/>
         </a:spcBef>
-        <a:buFont typeface="Arial"/>
+        <a:buFont typeface="Arial" panose="020B0604020202020204"/>
         <a:buChar char="•"/>
         <a:defRPr sz="1800" kern="1200">
           <a:solidFill>
@@ -3365,7 +3302,7 @@
         <a:spcBef>
           <a:spcPts val="500"/>
         </a:spcBef>
-        <a:buFont typeface="Arial"/>
+        <a:buFont typeface="Arial" panose="020B0604020202020204"/>
         <a:buChar char="•"/>
         <a:defRPr sz="1800" kern="1200">
           <a:solidFill>
@@ -5016,7 +4953,7 @@
         </p:nvSpPr>
         <p:spPr>
           <a:xfrm>
-            <a:off x="6352398" y="3502894"/>
+            <a:off x="6352398" y="3520674"/>
             <a:ext cx="1113516" cy="548079"/>
           </a:xfrm>
           <a:prstGeom prst="rect">
@@ -5228,7 +5165,7 @@
         </p:nvSpPr>
         <p:spPr>
           <a:xfrm>
-            <a:off x="4625247" y="3487485"/>
+            <a:off x="4625247" y="3514155"/>
             <a:ext cx="1640988" cy="548079"/>
           </a:xfrm>
           <a:prstGeom prst="rect">
@@ -5739,11 +5676,6 @@
         </p:txBody>
       </p:sp>
     </p:spTree>
-    <p:extLst>
-      <p:ext uri="{BB962C8B-B14F-4D97-AF65-F5344CB8AC3E}">
-        <p14:creationId xmlns:p14="http://schemas.microsoft.com/office/powerpoint/2010/main" val="11598803"/>
-      </p:ext>
-    </p:extLst>
   </p:cSld>
   <p:clrMapOvr>
     <a:masterClrMapping/>
@@ -5775,7 +5707,7 @@
           <p:nvPr/>
         </p:nvPicPr>
         <p:blipFill>
-          <a:blip r:embed="rId2"/>
+          <a:blip r:embed="rId1"/>
           <a:stretch>
             <a:fillRect/>
           </a:stretch>
@@ -5799,7 +5731,7 @@
           <p:nvPr/>
         </p:nvPicPr>
         <p:blipFill>
-          <a:blip r:embed="rId3">
+          <a:blip r:embed="rId2">
             <a:extLst>
               <a:ext uri="{28A0092B-C50C-407E-A947-70E740481C1C}">
                 <a14:useLocalDpi xmlns:a14="http://schemas.microsoft.com/office/drawing/2010/main" val="0"/>
@@ -5829,7 +5761,7 @@
           <p:nvPr/>
         </p:nvPicPr>
         <p:blipFill>
-          <a:blip r:embed="rId3">
+          <a:blip r:embed="rId2">
             <a:extLst>
               <a:ext uri="{28A0092B-C50C-407E-A947-70E740481C1C}">
                 <a14:useLocalDpi xmlns:a14="http://schemas.microsoft.com/office/drawing/2010/main" val="0"/>
@@ -6131,7 +6063,7 @@
         </p:nvSpPr>
         <p:spPr>
           <a:xfrm>
-            <a:off x="5661581" y="6089134"/>
+            <a:off x="5661581" y="6142474"/>
             <a:ext cx="1409360" cy="369332"/>
           </a:xfrm>
           <a:prstGeom prst="rect">
@@ -6154,11 +6086,6 @@
         </p:txBody>
       </p:sp>
     </p:spTree>
-    <p:extLst>
-      <p:ext uri="{BB962C8B-B14F-4D97-AF65-F5344CB8AC3E}">
-        <p14:creationId xmlns:p14="http://schemas.microsoft.com/office/powerpoint/2010/main" val="523892387"/>
-      </p:ext>
-    </p:extLst>
   </p:cSld>
   <p:clrMapOvr>
     <a:masterClrMapping/>
@@ -6192,7 +6119,7 @@
           <p:nvPr/>
         </p:nvPicPr>
         <p:blipFill>
-          <a:blip r:embed="rId2">
+          <a:blip r:embed="rId1">
             <a:extLst>
               <a:ext uri="{28A0092B-C50C-407E-A947-70E740481C1C}">
                 <a14:useLocalDpi xmlns:a14="http://schemas.microsoft.com/office/drawing/2010/main" val="0"/>
@@ -6749,11 +6676,6 @@
         </p:style>
       </p:cxnSp>
     </p:spTree>
-    <p:extLst>
-      <p:ext uri="{BB962C8B-B14F-4D97-AF65-F5344CB8AC3E}">
-        <p14:creationId xmlns:p14="http://schemas.microsoft.com/office/powerpoint/2010/main" val="939769315"/>
-      </p:ext>
-    </p:extLst>
   </p:cSld>
   <p:clrMapOvr>
     <a:masterClrMapping/>
@@ -6931,7 +6853,7 @@
               <p:nvPr/>
             </p:nvPicPr>
             <p:blipFill>
-              <a:blip r:embed="rId3">
+              <a:blip r:embed="rId1">
                 <a:extLst>
                   <a:ext uri="{28A0092B-C50C-407E-A947-70E740481C1C}">
                     <a14:useLocalDpi xmlns:a14="http://schemas.microsoft.com/office/drawing/2010/main" val="0"/>
@@ -7089,7 +7011,7 @@
               <p:nvPr/>
             </p:nvPicPr>
             <p:blipFill>
-              <a:blip r:embed="rId3">
+              <a:blip r:embed="rId1">
                 <a:extLst>
                   <a:ext uri="{28A0092B-C50C-407E-A947-70E740481C1C}">
                     <a14:useLocalDpi xmlns:a14="http://schemas.microsoft.com/office/drawing/2010/main" val="0"/>
@@ -7247,7 +7169,7 @@
               <p:nvPr/>
             </p:nvPicPr>
             <p:blipFill>
-              <a:blip r:embed="rId3">
+              <a:blip r:embed="rId1">
                 <a:extLst>
                   <a:ext uri="{28A0092B-C50C-407E-A947-70E740481C1C}">
                     <a14:useLocalDpi xmlns:a14="http://schemas.microsoft.com/office/drawing/2010/main" val="0"/>
@@ -7309,7 +7231,7 @@
           <p:nvPr/>
         </p:nvPicPr>
         <p:blipFill>
-          <a:blip r:embed="rId4">
+          <a:blip r:embed="rId2">
             <a:extLst>
               <a:ext uri="{28A0092B-C50C-407E-A947-70E740481C1C}">
                 <a14:useLocalDpi xmlns:a14="http://schemas.microsoft.com/office/drawing/2010/main" val="0"/>
@@ -7339,7 +7261,7 @@
           <p:nvPr/>
         </p:nvPicPr>
         <p:blipFill>
-          <a:blip r:embed="rId4">
+          <a:blip r:embed="rId2">
             <a:extLst>
               <a:ext uri="{28A0092B-C50C-407E-A947-70E740481C1C}">
                 <a14:useLocalDpi xmlns:a14="http://schemas.microsoft.com/office/drawing/2010/main" val="0"/>
@@ -7369,7 +7291,7 @@
           <p:nvPr/>
         </p:nvPicPr>
         <p:blipFill>
-          <a:blip r:embed="rId5">
+          <a:blip r:embed="rId3">
             <a:extLst>
               <a:ext uri="{28A0092B-C50C-407E-A947-70E740481C1C}">
                 <a14:useLocalDpi xmlns:a14="http://schemas.microsoft.com/office/drawing/2010/main" val="0"/>
@@ -7465,7 +7387,7 @@
           <p:nvPr/>
         </p:nvPicPr>
         <p:blipFill>
-          <a:blip r:embed="rId4">
+          <a:blip r:embed="rId2">
             <a:extLst>
               <a:ext uri="{28A0092B-C50C-407E-A947-70E740481C1C}">
                 <a14:useLocalDpi xmlns:a14="http://schemas.microsoft.com/office/drawing/2010/main" val="0"/>
@@ -7624,7 +7546,7 @@
               <p:nvPr/>
             </p:nvPicPr>
             <p:blipFill>
-              <a:blip r:embed="rId3">
+              <a:blip r:embed="rId1">
                 <a:extLst>
                   <a:ext uri="{28A0092B-C50C-407E-A947-70E740481C1C}">
                     <a14:useLocalDpi xmlns:a14="http://schemas.microsoft.com/office/drawing/2010/main" val="0"/>
@@ -7782,7 +7704,7 @@
               <p:nvPr/>
             </p:nvPicPr>
             <p:blipFill>
-              <a:blip r:embed="rId3">
+              <a:blip r:embed="rId1">
                 <a:extLst>
                   <a:ext uri="{28A0092B-C50C-407E-A947-70E740481C1C}">
                     <a14:useLocalDpi xmlns:a14="http://schemas.microsoft.com/office/drawing/2010/main" val="0"/>
@@ -7940,7 +7862,7 @@
               <p:nvPr/>
             </p:nvPicPr>
             <p:blipFill>
-              <a:blip r:embed="rId3">
+              <a:blip r:embed="rId1">
                 <a:extLst>
                   <a:ext uri="{28A0092B-C50C-407E-A947-70E740481C1C}">
                     <a14:useLocalDpi xmlns:a14="http://schemas.microsoft.com/office/drawing/2010/main" val="0"/>
@@ -8098,7 +8020,7 @@
               <p:nvPr/>
             </p:nvPicPr>
             <p:blipFill>
-              <a:blip r:embed="rId3">
+              <a:blip r:embed="rId1">
                 <a:extLst>
                   <a:ext uri="{28A0092B-C50C-407E-A947-70E740481C1C}">
                     <a14:useLocalDpi xmlns:a14="http://schemas.microsoft.com/office/drawing/2010/main" val="0"/>
@@ -8248,7 +8170,7 @@
               <p:nvPr/>
             </p:nvPicPr>
             <p:blipFill>
-              <a:blip r:embed="rId3">
+              <a:blip r:embed="rId1">
                 <a:extLst>
                   <a:ext uri="{28A0092B-C50C-407E-A947-70E740481C1C}">
                     <a14:useLocalDpi xmlns:a14="http://schemas.microsoft.com/office/drawing/2010/main" val="0"/>
@@ -8398,7 +8320,7 @@
               <p:nvPr/>
             </p:nvPicPr>
             <p:blipFill>
-              <a:blip r:embed="rId3">
+              <a:blip r:embed="rId1">
                 <a:extLst>
                   <a:ext uri="{28A0092B-C50C-407E-A947-70E740481C1C}">
                     <a14:useLocalDpi xmlns:a14="http://schemas.microsoft.com/office/drawing/2010/main" val="0"/>
@@ -8460,7 +8382,7 @@
           <p:nvPr/>
         </p:nvPicPr>
         <p:blipFill>
-          <a:blip r:embed="rId5">
+          <a:blip r:embed="rId3">
             <a:extLst>
               <a:ext uri="{28A0092B-C50C-407E-A947-70E740481C1C}">
                 <a14:useLocalDpi xmlns:a14="http://schemas.microsoft.com/office/drawing/2010/main" val="0"/>
@@ -8490,7 +8412,7 @@
           <p:nvPr/>
         </p:nvPicPr>
         <p:blipFill>
-          <a:blip r:embed="rId5">
+          <a:blip r:embed="rId3">
             <a:extLst>
               <a:ext uri="{28A0092B-C50C-407E-A947-70E740481C1C}">
                 <a14:useLocalDpi xmlns:a14="http://schemas.microsoft.com/office/drawing/2010/main" val="0"/>
@@ -8622,7 +8544,7 @@
           <p:nvPr/>
         </p:nvPicPr>
         <p:blipFill>
-          <a:blip r:embed="rId5">
+          <a:blip r:embed="rId3">
             <a:extLst>
               <a:ext uri="{28A0092B-C50C-407E-A947-70E740481C1C}">
                 <a14:useLocalDpi xmlns:a14="http://schemas.microsoft.com/office/drawing/2010/main" val="0"/>
@@ -8946,11 +8868,6 @@
         </p:style>
       </p:cxnSp>
     </p:spTree>
-    <p:extLst>
-      <p:ext uri="{BB962C8B-B14F-4D97-AF65-F5344CB8AC3E}">
-        <p14:creationId xmlns:p14="http://schemas.microsoft.com/office/powerpoint/2010/main" val="1664483552"/>
-      </p:ext>
-    </p:extLst>
   </p:cSld>
   <p:clrMapOvr>
     <a:masterClrMapping/>
@@ -9001,7 +8918,7 @@
     </a:clrScheme>
     <a:fontScheme name="Office">
       <a:majorFont>
-        <a:latin typeface="DengXian Light" panose="020F0302020204030204"/>
+        <a:latin typeface="DengXian Light"/>
         <a:ea typeface=""/>
         <a:cs typeface=""/>
         <a:font script="Jpan" typeface="Yu Gothic Light"/>
@@ -9036,7 +8953,7 @@
         <a:font script="Geor" typeface="Sylfaen"/>
       </a:majorFont>
       <a:minorFont>
-        <a:latin typeface="DengXian" panose="020F0502020204030204"/>
+        <a:latin typeface="DengXian"/>
         <a:ea typeface=""/>
         <a:cs typeface=""/>
         <a:font script="Jpan" typeface="Yu Gothic"/>
@@ -9209,8 +9126,6 @@
       </a:bgFillStyleLst>
     </a:fmtScheme>
   </a:themeElements>
-  <a:objectDefaults/>
-  <a:extraClrSchemeLst/>
   <a:extLst>
     <a:ext uri="{05A4C25C-085E-4340-85A3-A5531E510DB2}">
       <thm15:themeFamily xmlns:thm15="http://schemas.microsoft.com/office/thememl/2012/main" name="Office Theme" id="{62F939B6-93AF-4DB8-9C6B-D6C7DFDC589F}" vid="{4A3C46E8-61CC-4603-A589-7422A47A8E4A}"/>
@@ -9262,7 +9177,7 @@
     </a:clrScheme>
     <a:fontScheme name="Office">
       <a:majorFont>
-        <a:latin typeface="DengXian Light" panose="020F0302020204030204"/>
+        <a:latin typeface="DengXian Light"/>
         <a:ea typeface=""/>
         <a:cs typeface=""/>
         <a:font script="Jpan" typeface="Yu Gothic Light"/>
@@ -9297,7 +9212,7 @@
         <a:font script="Geor" typeface="Sylfaen"/>
       </a:majorFont>
       <a:minorFont>
-        <a:latin typeface="DengXian" panose="020F0502020204030204"/>
+        <a:latin typeface="DengXian"/>
         <a:ea typeface=""/>
         <a:cs typeface=""/>
         <a:font script="Jpan" typeface="Yu Gothic"/>
@@ -9470,8 +9385,6 @@
       </a:bgFillStyleLst>
     </a:fmtScheme>
   </a:themeElements>
-  <a:objectDefaults/>
-  <a:extraClrSchemeLst/>
   <a:extLst>
     <a:ext uri="{05A4C25C-085E-4340-85A3-A5531E510DB2}">
       <thm15:themeFamily xmlns:thm15="http://schemas.microsoft.com/office/thememl/2012/main" name="Office Theme" id="{62F939B6-93AF-4DB8-9C6B-D6C7DFDC589F}" vid="{4A3C46E8-61CC-4603-A589-7422A47A8E4A}"/>
